--- a/Presentations/Presentazione.pptx
+++ b/Presentations/Presentazione.pptx
@@ -216,7 +216,7 @@
           <a:p>
             <a:fld id="{576F8AA4-5490-7741-A77B-C44A70224908}" type="datetimeFigureOut">
               <a:rPr lang="it-CH" smtClean="0"/>
-              <a:t>01.02.19</a:t>
+              <a:t>04.02.19</a:t>
             </a:fld>
             <a:endParaRPr lang="it-CH"/>
           </a:p>
@@ -677,7 +677,7 @@
           <a:p>
             <a:fld id="{C764DE79-268F-4C1A-8933-263129D2AF90}" type="datetimeFigureOut">
               <a:rPr lang="en-US" dirty="0"/>
-              <a:t>2/1/19</a:t>
+              <a:t>2/4/19</a:t>
             </a:fld>
             <a:endParaRPr lang="en-US" dirty="0"/>
           </a:p>
@@ -842,7 +842,7 @@
           <a:p>
             <a:fld id="{C764DE79-268F-4C1A-8933-263129D2AF90}" type="datetimeFigureOut">
               <a:rPr lang="en-US" dirty="0"/>
-              <a:t>2/1/19</a:t>
+              <a:t>2/4/19</a:t>
             </a:fld>
             <a:endParaRPr lang="en-US" dirty="0"/>
           </a:p>
@@ -1017,7 +1017,7 @@
           <a:p>
             <a:fld id="{C764DE79-268F-4C1A-8933-263129D2AF90}" type="datetimeFigureOut">
               <a:rPr lang="en-US" dirty="0"/>
-              <a:t>2/1/19</a:t>
+              <a:t>2/4/19</a:t>
             </a:fld>
             <a:endParaRPr lang="en-US" dirty="0"/>
           </a:p>
@@ -1182,7 +1182,7 @@
           <a:p>
             <a:fld id="{C764DE79-268F-4C1A-8933-263129D2AF90}" type="datetimeFigureOut">
               <a:rPr lang="en-US" dirty="0"/>
-              <a:t>2/1/19</a:t>
+              <a:t>2/4/19</a:t>
             </a:fld>
             <a:endParaRPr lang="en-US" dirty="0"/>
           </a:p>
@@ -1423,7 +1423,7 @@
           <a:p>
             <a:fld id="{C764DE79-268F-4C1A-8933-263129D2AF90}" type="datetimeFigureOut">
               <a:rPr lang="en-US" dirty="0"/>
-              <a:t>2/1/19</a:t>
+              <a:t>2/4/19</a:t>
             </a:fld>
             <a:endParaRPr lang="en-US" dirty="0"/>
           </a:p>
@@ -1650,7 +1650,7 @@
           <a:p>
             <a:fld id="{C764DE79-268F-4C1A-8933-263129D2AF90}" type="datetimeFigureOut">
               <a:rPr lang="en-US" dirty="0"/>
-              <a:t>2/1/19</a:t>
+              <a:t>2/4/19</a:t>
             </a:fld>
             <a:endParaRPr lang="en-US" dirty="0"/>
           </a:p>
@@ -2012,7 +2012,7 @@
           <a:p>
             <a:fld id="{C764DE79-268F-4C1A-8933-263129D2AF90}" type="datetimeFigureOut">
               <a:rPr lang="en-US" dirty="0"/>
-              <a:t>2/1/19</a:t>
+              <a:t>2/4/19</a:t>
             </a:fld>
             <a:endParaRPr lang="en-US" dirty="0"/>
           </a:p>
@@ -2125,7 +2125,7 @@
           <a:p>
             <a:fld id="{C764DE79-268F-4C1A-8933-263129D2AF90}" type="datetimeFigureOut">
               <a:rPr lang="en-US" dirty="0"/>
-              <a:t>2/1/19</a:t>
+              <a:t>2/4/19</a:t>
             </a:fld>
             <a:endParaRPr lang="en-US" dirty="0"/>
           </a:p>
@@ -2215,7 +2215,7 @@
           <a:p>
             <a:fld id="{C764DE79-268F-4C1A-8933-263129D2AF90}" type="datetimeFigureOut">
               <a:rPr lang="en-US" dirty="0"/>
-              <a:t>2/1/19</a:t>
+              <a:t>2/4/19</a:t>
             </a:fld>
             <a:endParaRPr lang="en-US" dirty="0"/>
           </a:p>
@@ -2487,7 +2487,7 @@
           <a:p>
             <a:fld id="{C764DE79-268F-4C1A-8933-263129D2AF90}" type="datetimeFigureOut">
               <a:rPr lang="en-US" dirty="0"/>
-              <a:t>2/1/19</a:t>
+              <a:t>2/4/19</a:t>
             </a:fld>
             <a:endParaRPr lang="en-US" dirty="0"/>
           </a:p>
@@ -2739,7 +2739,7 @@
           <a:p>
             <a:fld id="{C764DE79-268F-4C1A-8933-263129D2AF90}" type="datetimeFigureOut">
               <a:rPr lang="en-US" dirty="0"/>
-              <a:t>2/1/19</a:t>
+              <a:t>2/4/19</a:t>
             </a:fld>
             <a:endParaRPr lang="en-US" dirty="0"/>
           </a:p>
@@ -2947,7 +2947,7 @@
           <a:p>
             <a:fld id="{C764DE79-268F-4C1A-8933-263129D2AF90}" type="datetimeFigureOut">
               <a:rPr lang="en-US" dirty="0"/>
-              <a:t>2/1/19</a:t>
+              <a:t>2/4/19</a:t>
             </a:fld>
             <a:endParaRPr lang="en-US" dirty="0"/>
           </a:p>
@@ -3491,6 +3491,40 @@
           </a:prstGeom>
         </p:spPr>
       </p:pic>
+      <p:sp>
+        <p:nvSpPr>
+          <p:cNvPr id="3" name="Rettangolo 2">
+            <a:extLst>
+              <a:ext uri="{FF2B5EF4-FFF2-40B4-BE49-F238E27FC236}">
+                <a16:creationId xmlns:a16="http://schemas.microsoft.com/office/drawing/2014/main" id="{EFDA7B1B-C0A4-B84A-8E21-A5F58508A340}"/>
+              </a:ext>
+            </a:extLst>
+          </p:cNvPr>
+          <p:cNvSpPr/>
+          <p:nvPr/>
+        </p:nvSpPr>
+        <p:spPr>
+          <a:xfrm>
+            <a:off x="4727130" y="4917088"/>
+            <a:ext cx="2737737" cy="369332"/>
+          </a:xfrm>
+          <a:prstGeom prst="rect">
+            <a:avLst/>
+          </a:prstGeom>
+        </p:spPr>
+        <p:txBody>
+          <a:bodyPr wrap="none">
+            <a:spAutoFit/>
+          </a:bodyPr>
+          <a:lstStyle/>
+          <a:p>
+            <a:r>
+              <a:rPr lang="it-CH" dirty="0"/>
+              <a:t>Esempi libreria Button_LED</a:t>
+            </a:r>
+          </a:p>
+        </p:txBody>
+      </p:sp>
     </p:spTree>
     <p:extLst>
       <p:ext uri="{BB962C8B-B14F-4D97-AF65-F5344CB8AC3E}">

--- a/Presentations/Presentazione.pptx
+++ b/Presentations/Presentazione.pptx
@@ -5,7 +5,7 @@
     <p:sldMasterId id="2147483648" r:id="rId1"/>
   </p:sldMasterIdLst>
   <p:notesMasterIdLst>
-    <p:notesMasterId r:id="rId22"/>
+    <p:notesMasterId r:id="rId23"/>
   </p:notesMasterIdLst>
   <p:sldIdLst>
     <p:sldId id="256" r:id="rId2"/>
@@ -14,20 +14,21 @@
     <p:sldId id="259" r:id="rId5"/>
     <p:sldId id="273" r:id="rId6"/>
     <p:sldId id="260" r:id="rId7"/>
-    <p:sldId id="261" r:id="rId8"/>
-    <p:sldId id="276" r:id="rId9"/>
-    <p:sldId id="278" r:id="rId10"/>
-    <p:sldId id="283" r:id="rId11"/>
-    <p:sldId id="279" r:id="rId12"/>
-    <p:sldId id="280" r:id="rId13"/>
-    <p:sldId id="281" r:id="rId14"/>
-    <p:sldId id="282" r:id="rId15"/>
-    <p:sldId id="274" r:id="rId16"/>
-    <p:sldId id="262" r:id="rId17"/>
-    <p:sldId id="263" r:id="rId18"/>
-    <p:sldId id="275" r:id="rId19"/>
-    <p:sldId id="269" r:id="rId20"/>
-    <p:sldId id="270" r:id="rId21"/>
+    <p:sldId id="284" r:id="rId8"/>
+    <p:sldId id="285" r:id="rId9"/>
+    <p:sldId id="276" r:id="rId10"/>
+    <p:sldId id="278" r:id="rId11"/>
+    <p:sldId id="283" r:id="rId12"/>
+    <p:sldId id="279" r:id="rId13"/>
+    <p:sldId id="280" r:id="rId14"/>
+    <p:sldId id="281" r:id="rId15"/>
+    <p:sldId id="282" r:id="rId16"/>
+    <p:sldId id="274" r:id="rId17"/>
+    <p:sldId id="262" r:id="rId18"/>
+    <p:sldId id="263" r:id="rId19"/>
+    <p:sldId id="275" r:id="rId20"/>
+    <p:sldId id="269" r:id="rId21"/>
+    <p:sldId id="270" r:id="rId22"/>
   </p:sldIdLst>
   <p:sldSz cx="12192000" cy="6858000"/>
   <p:notesSz cx="6858000" cy="9144000"/>
@@ -216,7 +217,7 @@
           <a:p>
             <a:fld id="{576F8AA4-5490-7741-A77B-C44A70224908}" type="datetimeFigureOut">
               <a:rPr lang="it-CH" smtClean="0"/>
-              <a:t>04.02.19</a:t>
+              <a:t>06.02.19</a:t>
             </a:fld>
             <a:endParaRPr lang="it-CH"/>
           </a:p>
@@ -527,7 +528,7 @@
           <a:p>
             <a:fld id="{4B81FF36-7091-5546-A6CE-002900DBC5B5}" type="slidenum">
               <a:rPr lang="it-CH" smtClean="0"/>
-              <a:t>19</a:t>
+              <a:t>20</a:t>
             </a:fld>
             <a:endParaRPr lang="it-CH"/>
           </a:p>
@@ -677,7 +678,7 @@
           <a:p>
             <a:fld id="{C764DE79-268F-4C1A-8933-263129D2AF90}" type="datetimeFigureOut">
               <a:rPr lang="en-US" dirty="0"/>
-              <a:t>2/4/19</a:t>
+              <a:t>2/6/19</a:t>
             </a:fld>
             <a:endParaRPr lang="en-US" dirty="0"/>
           </a:p>
@@ -842,7 +843,7 @@
           <a:p>
             <a:fld id="{C764DE79-268F-4C1A-8933-263129D2AF90}" type="datetimeFigureOut">
               <a:rPr lang="en-US" dirty="0"/>
-              <a:t>2/4/19</a:t>
+              <a:t>2/6/19</a:t>
             </a:fld>
             <a:endParaRPr lang="en-US" dirty="0"/>
           </a:p>
@@ -1017,7 +1018,7 @@
           <a:p>
             <a:fld id="{C764DE79-268F-4C1A-8933-263129D2AF90}" type="datetimeFigureOut">
               <a:rPr lang="en-US" dirty="0"/>
-              <a:t>2/4/19</a:t>
+              <a:t>2/6/19</a:t>
             </a:fld>
             <a:endParaRPr lang="en-US" dirty="0"/>
           </a:p>
@@ -1182,7 +1183,7 @@
           <a:p>
             <a:fld id="{C764DE79-268F-4C1A-8933-263129D2AF90}" type="datetimeFigureOut">
               <a:rPr lang="en-US" dirty="0"/>
-              <a:t>2/4/19</a:t>
+              <a:t>2/6/19</a:t>
             </a:fld>
             <a:endParaRPr lang="en-US" dirty="0"/>
           </a:p>
@@ -1423,7 +1424,7 @@
           <a:p>
             <a:fld id="{C764DE79-268F-4C1A-8933-263129D2AF90}" type="datetimeFigureOut">
               <a:rPr lang="en-US" dirty="0"/>
-              <a:t>2/4/19</a:t>
+              <a:t>2/6/19</a:t>
             </a:fld>
             <a:endParaRPr lang="en-US" dirty="0"/>
           </a:p>
@@ -1650,7 +1651,7 @@
           <a:p>
             <a:fld id="{C764DE79-268F-4C1A-8933-263129D2AF90}" type="datetimeFigureOut">
               <a:rPr lang="en-US" dirty="0"/>
-              <a:t>2/4/19</a:t>
+              <a:t>2/6/19</a:t>
             </a:fld>
             <a:endParaRPr lang="en-US" dirty="0"/>
           </a:p>
@@ -2012,7 +2013,7 @@
           <a:p>
             <a:fld id="{C764DE79-268F-4C1A-8933-263129D2AF90}" type="datetimeFigureOut">
               <a:rPr lang="en-US" dirty="0"/>
-              <a:t>2/4/19</a:t>
+              <a:t>2/6/19</a:t>
             </a:fld>
             <a:endParaRPr lang="en-US" dirty="0"/>
           </a:p>
@@ -2125,7 +2126,7 @@
           <a:p>
             <a:fld id="{C764DE79-268F-4C1A-8933-263129D2AF90}" type="datetimeFigureOut">
               <a:rPr lang="en-US" dirty="0"/>
-              <a:t>2/4/19</a:t>
+              <a:t>2/6/19</a:t>
             </a:fld>
             <a:endParaRPr lang="en-US" dirty="0"/>
           </a:p>
@@ -2215,7 +2216,7 @@
           <a:p>
             <a:fld id="{C764DE79-268F-4C1A-8933-263129D2AF90}" type="datetimeFigureOut">
               <a:rPr lang="en-US" dirty="0"/>
-              <a:t>2/4/19</a:t>
+              <a:t>2/6/19</a:t>
             </a:fld>
             <a:endParaRPr lang="en-US" dirty="0"/>
           </a:p>
@@ -2487,7 +2488,7 @@
           <a:p>
             <a:fld id="{C764DE79-268F-4C1A-8933-263129D2AF90}" type="datetimeFigureOut">
               <a:rPr lang="en-US" dirty="0"/>
-              <a:t>2/4/19</a:t>
+              <a:t>2/6/19</a:t>
             </a:fld>
             <a:endParaRPr lang="en-US" dirty="0"/>
           </a:p>
@@ -2739,7 +2740,7 @@
           <a:p>
             <a:fld id="{C764DE79-268F-4C1A-8933-263129D2AF90}" type="datetimeFigureOut">
               <a:rPr lang="en-US" dirty="0"/>
-              <a:t>2/4/19</a:t>
+              <a:t>2/6/19</a:t>
             </a:fld>
             <a:endParaRPr lang="en-US" dirty="0"/>
           </a:p>
@@ -2947,7 +2948,7 @@
           <a:p>
             <a:fld id="{C764DE79-268F-4C1A-8933-263129D2AF90}" type="datetimeFigureOut">
               <a:rPr lang="en-US" dirty="0"/>
-              <a:t>2/4/19</a:t>
+              <a:t>2/6/19</a:t>
             </a:fld>
             <a:endParaRPr lang="en-US" dirty="0"/>
           </a:p>
@@ -3435,6 +3436,123 @@
       </p:grpSpPr>
       <p:sp>
         <p:nvSpPr>
+          <p:cNvPr id="2" name="Title 1"/>
+          <p:cNvSpPr>
+            <a:spLocks noGrp="1"/>
+          </p:cNvSpPr>
+          <p:nvPr>
+            <p:ph type="title"/>
+          </p:nvPr>
+        </p:nvSpPr>
+        <p:spPr/>
+        <p:txBody>
+          <a:bodyPr/>
+          <a:lstStyle/>
+          <a:p>
+            <a:r>
+              <a:rPr lang="it-CH" dirty="0"/>
+              <a:t>Struttura librerie.	</a:t>
+            </a:r>
+          </a:p>
+        </p:txBody>
+      </p:sp>
+      <p:pic>
+        <p:nvPicPr>
+          <p:cNvPr id="4" name="Immagine 3">
+            <a:extLst>
+              <a:ext uri="{FF2B5EF4-FFF2-40B4-BE49-F238E27FC236}">
+                <a16:creationId xmlns:a16="http://schemas.microsoft.com/office/drawing/2014/main" id="{737194BE-AC30-0145-A81E-BC261C272754}"/>
+              </a:ext>
+            </a:extLst>
+          </p:cNvPr>
+          <p:cNvPicPr>
+            <a:picLocks noChangeAspect="1"/>
+          </p:cNvPicPr>
+          <p:nvPr/>
+        </p:nvPicPr>
+        <p:blipFill>
+          <a:blip r:embed="rId2"/>
+          <a:stretch>
+            <a:fillRect/>
+          </a:stretch>
+        </p:blipFill>
+        <p:spPr>
+          <a:xfrm>
+            <a:off x="2504195" y="2007838"/>
+            <a:ext cx="7183610" cy="2974808"/>
+          </a:xfrm>
+          <a:prstGeom prst="rect">
+            <a:avLst/>
+          </a:prstGeom>
+        </p:spPr>
+      </p:pic>
+      <p:sp>
+        <p:nvSpPr>
+          <p:cNvPr id="5" name="CasellaDiTesto 4">
+            <a:extLst>
+              <a:ext uri="{FF2B5EF4-FFF2-40B4-BE49-F238E27FC236}">
+                <a16:creationId xmlns:a16="http://schemas.microsoft.com/office/drawing/2014/main" id="{D169D032-CA30-2C46-8B08-8F1ED543AC09}"/>
+              </a:ext>
+            </a:extLst>
+          </p:cNvPr>
+          <p:cNvSpPr txBox="1"/>
+          <p:nvPr/>
+        </p:nvSpPr>
+        <p:spPr>
+          <a:xfrm>
+            <a:off x="5172175" y="4982646"/>
+            <a:ext cx="1847650" cy="369332"/>
+          </a:xfrm>
+          <a:prstGeom prst="rect">
+            <a:avLst/>
+          </a:prstGeom>
+          <a:noFill/>
+        </p:spPr>
+        <p:txBody>
+          <a:bodyPr wrap="square" rtlCol="0">
+            <a:spAutoFit/>
+          </a:bodyPr>
+          <a:lstStyle/>
+          <a:p>
+            <a:r>
+              <a:rPr lang="it-CH" dirty="0"/>
+              <a:t>Libreria ButtonLib</a:t>
+            </a:r>
+          </a:p>
+        </p:txBody>
+      </p:sp>
+    </p:spTree>
+    <p:extLst>
+      <p:ext uri="{BB962C8B-B14F-4D97-AF65-F5344CB8AC3E}">
+        <p14:creationId xmlns:p14="http://schemas.microsoft.com/office/powerpoint/2010/main" val="4076660027"/>
+      </p:ext>
+    </p:extLst>
+  </p:cSld>
+  <p:clrMapOvr>
+    <a:masterClrMapping/>
+  </p:clrMapOvr>
+</p:sld>
+</file>
+
+<file path=ppt/slides/slide11.xml><?xml version="1.0" encoding="utf-8"?>
+<p:sld xmlns:a="http://schemas.openxmlformats.org/drawingml/2006/main" xmlns:r="http://schemas.openxmlformats.org/officeDocument/2006/relationships" xmlns:p="http://schemas.openxmlformats.org/presentationml/2006/main">
+  <p:cSld>
+    <p:spTree>
+      <p:nvGrpSpPr>
+        <p:cNvPr id="1" name=""/>
+        <p:cNvGrpSpPr/>
+        <p:nvPr/>
+      </p:nvGrpSpPr>
+      <p:grpSpPr>
+        <a:xfrm>
+          <a:off x="0" y="0"/>
+          <a:ext cx="0" cy="0"/>
+          <a:chOff x="0" y="0"/>
+          <a:chExt cx="0" cy="0"/>
+        </a:xfrm>
+      </p:grpSpPr>
+      <p:sp>
+        <p:nvSpPr>
           <p:cNvPr id="2" name="Titolo 1">
             <a:extLst>
               <a:ext uri="{FF2B5EF4-FFF2-40B4-BE49-F238E27FC236}">
@@ -3538,7 +3656,7 @@
 </p:sld>
 </file>
 
-<file path=ppt/slides/slide11.xml><?xml version="1.0" encoding="utf-8"?>
+<file path=ppt/slides/slide12.xml><?xml version="1.0" encoding="utf-8"?>
 <p:sld xmlns:a="http://schemas.openxmlformats.org/drawingml/2006/main" xmlns:r="http://schemas.openxmlformats.org/officeDocument/2006/relationships" xmlns:p="http://schemas.openxmlformats.org/presentationml/2006/main">
   <p:cSld>
     <p:spTree>
@@ -3626,7 +3744,7 @@
 </p:sld>
 </file>
 
-<file path=ppt/slides/slide12.xml><?xml version="1.0" encoding="utf-8"?>
+<file path=ppt/slides/slide13.xml><?xml version="1.0" encoding="utf-8"?>
 <p:sld xmlns:a="http://schemas.openxmlformats.org/drawingml/2006/main" xmlns:r="http://schemas.openxmlformats.org/officeDocument/2006/relationships" xmlns:p="http://schemas.openxmlformats.org/presentationml/2006/main">
   <p:cSld>
     <p:spTree>
@@ -3714,7 +3832,7 @@
 </p:sld>
 </file>
 
-<file path=ppt/slides/slide13.xml><?xml version="1.0" encoding="utf-8"?>
+<file path=ppt/slides/slide14.xml><?xml version="1.0" encoding="utf-8"?>
 <p:sld xmlns:a="http://schemas.openxmlformats.org/drawingml/2006/main" xmlns:r="http://schemas.openxmlformats.org/officeDocument/2006/relationships" xmlns:p="http://schemas.openxmlformats.org/presentationml/2006/main">
   <p:cSld>
     <p:spTree>
@@ -3802,93 +3920,6 @@
 </p:sld>
 </file>
 
-<file path=ppt/slides/slide14.xml><?xml version="1.0" encoding="utf-8"?>
-<p:sld xmlns:a="http://schemas.openxmlformats.org/drawingml/2006/main" xmlns:r="http://schemas.openxmlformats.org/officeDocument/2006/relationships" xmlns:p="http://schemas.openxmlformats.org/presentationml/2006/main">
-  <p:cSld>
-    <p:spTree>
-      <p:nvGrpSpPr>
-        <p:cNvPr id="1" name=""/>
-        <p:cNvGrpSpPr/>
-        <p:nvPr/>
-      </p:nvGrpSpPr>
-      <p:grpSpPr>
-        <a:xfrm>
-          <a:off x="0" y="0"/>
-          <a:ext cx="0" cy="0"/>
-          <a:chOff x="0" y="0"/>
-          <a:chExt cx="0" cy="0"/>
-        </a:xfrm>
-      </p:grpSpPr>
-      <p:sp>
-        <p:nvSpPr>
-          <p:cNvPr id="2" name="Title 1"/>
-          <p:cNvSpPr>
-            <a:spLocks noGrp="1"/>
-          </p:cNvSpPr>
-          <p:nvPr>
-            <p:ph type="title"/>
-          </p:nvPr>
-        </p:nvSpPr>
-        <p:spPr/>
-        <p:txBody>
-          <a:bodyPr/>
-          <a:lstStyle/>
-          <a:p>
-            <a:r>
-              <a:rPr lang="it-CH" dirty="0"/>
-              <a:t>Libreria LCD.</a:t>
-            </a:r>
-          </a:p>
-        </p:txBody>
-      </p:sp>
-      <p:sp>
-        <p:nvSpPr>
-          <p:cNvPr id="6" name="CasellaDiTesto 5">
-            <a:extLst>
-              <a:ext uri="{FF2B5EF4-FFF2-40B4-BE49-F238E27FC236}">
-                <a16:creationId xmlns:a16="http://schemas.microsoft.com/office/drawing/2014/main" id="{8D759831-E9E1-3E41-BEFD-F8EB013F0497}"/>
-              </a:ext>
-            </a:extLst>
-          </p:cNvPr>
-          <p:cNvSpPr txBox="1"/>
-          <p:nvPr/>
-        </p:nvSpPr>
-        <p:spPr>
-          <a:xfrm>
-            <a:off x="1016372" y="2382253"/>
-            <a:ext cx="10159256" cy="707886"/>
-          </a:xfrm>
-          <a:prstGeom prst="rect">
-            <a:avLst/>
-          </a:prstGeom>
-          <a:noFill/>
-        </p:spPr>
-        <p:txBody>
-          <a:bodyPr wrap="none" rtlCol="0">
-            <a:spAutoFit/>
-          </a:bodyPr>
-          <a:lstStyle/>
-          <a:p>
-            <a:r>
-              <a:rPr lang="it-CH" sz="4000" dirty="0"/>
-              <a:t>https://github.com/platisd/ATtiny85-LCD-library</a:t>
-            </a:r>
-          </a:p>
-        </p:txBody>
-      </p:sp>
-    </p:spTree>
-    <p:extLst>
-      <p:ext uri="{BB962C8B-B14F-4D97-AF65-F5344CB8AC3E}">
-        <p14:creationId xmlns:p14="http://schemas.microsoft.com/office/powerpoint/2010/main" val="390646184"/>
-      </p:ext>
-    </p:extLst>
-  </p:cSld>
-  <p:clrMapOvr>
-    <a:masterClrMapping/>
-  </p:clrMapOvr>
-</p:sld>
-</file>
-
 <file path=ppt/slides/slide15.xml><?xml version="1.0" encoding="utf-8"?>
 <p:sld xmlns:a="http://schemas.openxmlformats.org/drawingml/2006/main" xmlns:r="http://schemas.openxmlformats.org/officeDocument/2006/relationships" xmlns:p="http://schemas.openxmlformats.org/presentationml/2006/main">
   <p:cSld>
@@ -3923,7 +3954,94 @@
           <a:p>
             <a:r>
               <a:rPr lang="it-CH" dirty="0"/>
-              <a:t>Circuito Bottone-Led</a:t>
+              <a:t>Libreria LCD.</a:t>
+            </a:r>
+          </a:p>
+        </p:txBody>
+      </p:sp>
+      <p:sp>
+        <p:nvSpPr>
+          <p:cNvPr id="6" name="CasellaDiTesto 5">
+            <a:extLst>
+              <a:ext uri="{FF2B5EF4-FFF2-40B4-BE49-F238E27FC236}">
+                <a16:creationId xmlns:a16="http://schemas.microsoft.com/office/drawing/2014/main" id="{8D759831-E9E1-3E41-BEFD-F8EB013F0497}"/>
+              </a:ext>
+            </a:extLst>
+          </p:cNvPr>
+          <p:cNvSpPr txBox="1"/>
+          <p:nvPr/>
+        </p:nvSpPr>
+        <p:spPr>
+          <a:xfrm>
+            <a:off x="1016372" y="2382253"/>
+            <a:ext cx="10159256" cy="707886"/>
+          </a:xfrm>
+          <a:prstGeom prst="rect">
+            <a:avLst/>
+          </a:prstGeom>
+          <a:noFill/>
+        </p:spPr>
+        <p:txBody>
+          <a:bodyPr wrap="none" rtlCol="0">
+            <a:spAutoFit/>
+          </a:bodyPr>
+          <a:lstStyle/>
+          <a:p>
+            <a:r>
+              <a:rPr lang="it-CH" sz="4000" dirty="0"/>
+              <a:t>https://github.com/platisd/ATtiny85-LCD-library</a:t>
+            </a:r>
+          </a:p>
+        </p:txBody>
+      </p:sp>
+    </p:spTree>
+    <p:extLst>
+      <p:ext uri="{BB962C8B-B14F-4D97-AF65-F5344CB8AC3E}">
+        <p14:creationId xmlns:p14="http://schemas.microsoft.com/office/powerpoint/2010/main" val="390646184"/>
+      </p:ext>
+    </p:extLst>
+  </p:cSld>
+  <p:clrMapOvr>
+    <a:masterClrMapping/>
+  </p:clrMapOvr>
+</p:sld>
+</file>
+
+<file path=ppt/slides/slide16.xml><?xml version="1.0" encoding="utf-8"?>
+<p:sld xmlns:a="http://schemas.openxmlformats.org/drawingml/2006/main" xmlns:r="http://schemas.openxmlformats.org/officeDocument/2006/relationships" xmlns:p="http://schemas.openxmlformats.org/presentationml/2006/main">
+  <p:cSld>
+    <p:spTree>
+      <p:nvGrpSpPr>
+        <p:cNvPr id="1" name=""/>
+        <p:cNvGrpSpPr/>
+        <p:nvPr/>
+      </p:nvGrpSpPr>
+      <p:grpSpPr>
+        <a:xfrm>
+          <a:off x="0" y="0"/>
+          <a:ext cx="0" cy="0"/>
+          <a:chOff x="0" y="0"/>
+          <a:chExt cx="0" cy="0"/>
+        </a:xfrm>
+      </p:grpSpPr>
+      <p:sp>
+        <p:nvSpPr>
+          <p:cNvPr id="2" name="Title 1"/>
+          <p:cNvSpPr>
+            <a:spLocks noGrp="1"/>
+          </p:cNvSpPr>
+          <p:nvPr>
+            <p:ph type="title"/>
+          </p:nvPr>
+        </p:nvSpPr>
+        <p:spPr/>
+        <p:txBody>
+          <a:bodyPr/>
+          <a:lstStyle/>
+          <a:p>
+            <a:r>
+              <a:rPr lang="it-CH" dirty="0"/>
+              <a:t>Circuito Bottone-Led.</a:t>
             </a:r>
           </a:p>
         </p:txBody>
@@ -3975,7 +4093,7 @@
 </p:sld>
 </file>
 
-<file path=ppt/slides/slide16.xml><?xml version="1.0" encoding="utf-8"?>
+<file path=ppt/slides/slide17.xml><?xml version="1.0" encoding="utf-8"?>
 <p:sld xmlns:a="http://schemas.openxmlformats.org/drawingml/2006/main" xmlns:r="http://schemas.openxmlformats.org/officeDocument/2006/relationships" xmlns:p="http://schemas.openxmlformats.org/presentationml/2006/main">
   <p:cSld>
     <p:spTree>
@@ -4009,7 +4127,7 @@
           <a:p>
             <a:r>
               <a:rPr lang="it-CH" dirty="0"/>
-              <a:t>Circuito Fotocellula-Led</a:t>
+              <a:t>Circuito Fotocellula-Led.</a:t>
             </a:r>
           </a:p>
         </p:txBody>
@@ -4068,7 +4186,7 @@
 </p:sld>
 </file>
 
-<file path=ppt/slides/slide17.xml><?xml version="1.0" encoding="utf-8"?>
+<file path=ppt/slides/slide18.xml><?xml version="1.0" encoding="utf-8"?>
 <p:sld xmlns:a="http://schemas.openxmlformats.org/drawingml/2006/main" xmlns:r="http://schemas.openxmlformats.org/officeDocument/2006/relationships" xmlns:p="http://schemas.openxmlformats.org/presentationml/2006/main">
   <p:cSld>
     <p:spTree>
@@ -4102,7 +4220,7 @@
           <a:p>
             <a:r>
               <a:rPr lang="it-CH" dirty="0"/>
-              <a:t>Circuito LCD</a:t>
+              <a:t>Circuito LCD.</a:t>
             </a:r>
           </a:p>
         </p:txBody>
@@ -4158,99 +4276,6 @@
 </p:sld>
 </file>
 
-<file path=ppt/slides/slide18.xml><?xml version="1.0" encoding="utf-8"?>
-<p:sld xmlns:a="http://schemas.openxmlformats.org/drawingml/2006/main" xmlns:r="http://schemas.openxmlformats.org/officeDocument/2006/relationships" xmlns:p="http://schemas.openxmlformats.org/presentationml/2006/main">
-  <p:cSld>
-    <p:spTree>
-      <p:nvGrpSpPr>
-        <p:cNvPr id="1" name=""/>
-        <p:cNvGrpSpPr/>
-        <p:nvPr/>
-      </p:nvGrpSpPr>
-      <p:grpSpPr>
-        <a:xfrm>
-          <a:off x="0" y="0"/>
-          <a:ext cx="0" cy="0"/>
-          <a:chOff x="0" y="0"/>
-          <a:chExt cx="0" cy="0"/>
-        </a:xfrm>
-      </p:grpSpPr>
-      <p:sp>
-        <p:nvSpPr>
-          <p:cNvPr id="2" name="Title 1"/>
-          <p:cNvSpPr>
-            <a:spLocks noGrp="1"/>
-          </p:cNvSpPr>
-          <p:nvPr>
-            <p:ph type="title"/>
-          </p:nvPr>
-        </p:nvSpPr>
-        <p:spPr/>
-        <p:txBody>
-          <a:bodyPr/>
-          <a:lstStyle/>
-          <a:p>
-            <a:r>
-              <a:rPr lang="it-CH" dirty="0"/>
-              <a:t>Test.</a:t>
-            </a:r>
-          </a:p>
-        </p:txBody>
-      </p:sp>
-      <p:sp>
-        <p:nvSpPr>
-          <p:cNvPr id="3" name="Content Placeholder 2"/>
-          <p:cNvSpPr>
-            <a:spLocks noGrp="1"/>
-          </p:cNvSpPr>
-          <p:nvPr>
-            <p:ph idx="1"/>
-          </p:nvPr>
-        </p:nvSpPr>
-        <p:spPr>
-          <a:xfrm>
-            <a:off x="2184862" y="2274512"/>
-            <a:ext cx="10515600" cy="4351338"/>
-          </a:xfrm>
-        </p:spPr>
-        <p:txBody>
-          <a:bodyPr>
-            <a:normAutofit/>
-          </a:bodyPr>
-          <a:lstStyle/>
-          <a:p>
-            <a:r>
-              <a:rPr lang="it-CH" sz="4000" dirty="0"/>
-              <a:t>Controllo validazione dei dati</a:t>
-            </a:r>
-          </a:p>
-          <a:p>
-            <a:r>
-              <a:rPr lang="it-CH" sz="4000" dirty="0"/>
-              <a:t>Test classe di gestione file csv</a:t>
-            </a:r>
-          </a:p>
-          <a:p>
-            <a:r>
-              <a:rPr lang="it-CH" sz="4000" dirty="0"/>
-              <a:t>Test funzione cancella e correggi</a:t>
-            </a:r>
-          </a:p>
-        </p:txBody>
-      </p:sp>
-    </p:spTree>
-    <p:extLst>
-      <p:ext uri="{BB962C8B-B14F-4D97-AF65-F5344CB8AC3E}">
-        <p14:creationId xmlns:p14="http://schemas.microsoft.com/office/powerpoint/2010/main" val="3120250458"/>
-      </p:ext>
-    </p:extLst>
-  </p:cSld>
-  <p:clrMapOvr>
-    <a:masterClrMapping/>
-  </p:clrMapOvr>
-</p:sld>
-</file>
-
 <file path=ppt/slides/slide19.xml><?xml version="1.0" encoding="utf-8"?>
 <p:sld xmlns:a="http://schemas.openxmlformats.org/drawingml/2006/main" xmlns:r="http://schemas.openxmlformats.org/officeDocument/2006/relationships" xmlns:p="http://schemas.openxmlformats.org/presentationml/2006/main">
   <p:cSld>
@@ -4285,20 +4310,14 @@
           <a:p>
             <a:r>
               <a:rPr lang="it-CH" dirty="0"/>
-              <a:t>Sviluppi futuri.</a:t>
-            </a:r>
-          </a:p>
-        </p:txBody>
-      </p:sp>
-      <p:sp>
-        <p:nvSpPr>
-          <p:cNvPr id="5" name="Segnaposto contenuto 4">
-            <a:extLst>
-              <a:ext uri="{FF2B5EF4-FFF2-40B4-BE49-F238E27FC236}">
-                <a16:creationId xmlns:a16="http://schemas.microsoft.com/office/drawing/2014/main" id="{712EE296-8807-A44A-8801-91C777AFE6C8}"/>
-              </a:ext>
-            </a:extLst>
-          </p:cNvPr>
+              <a:t>Test.</a:t>
+            </a:r>
+          </a:p>
+        </p:txBody>
+      </p:sp>
+      <p:sp>
+        <p:nvSpPr>
+          <p:cNvPr id="3" name="Content Placeholder 2"/>
           <p:cNvSpPr>
             <a:spLocks noGrp="1"/>
           </p:cNvSpPr>
@@ -4308,8 +4327,8 @@
         </p:nvSpPr>
         <p:spPr>
           <a:xfrm>
-            <a:off x="1583055" y="2410142"/>
-            <a:ext cx="9025890" cy="2037715"/>
+            <a:off x="2547158" y="2414846"/>
+            <a:ext cx="7097684" cy="2028307"/>
           </a:xfrm>
         </p:spPr>
         <p:txBody>
@@ -4320,19 +4339,19 @@
           <a:p>
             <a:r>
               <a:rPr lang="it-CH" sz="4000" dirty="0"/>
-              <a:t>Aggiunta di esempi</a:t>
+              <a:t>Test funzionamento digispark</a:t>
             </a:r>
           </a:p>
           <a:p>
             <a:r>
               <a:rPr lang="it-CH" sz="4000" dirty="0"/>
-              <a:t>Aggiunta di attuatori</a:t>
+              <a:t>Test librerie</a:t>
             </a:r>
           </a:p>
           <a:p>
             <a:r>
               <a:rPr lang="it-CH" sz="4000" dirty="0"/>
-              <a:t>Implementazione di funzionalità avanzate</a:t>
+              <a:t>Test circuiti</a:t>
             </a:r>
           </a:p>
         </p:txBody>
@@ -4340,7 +4359,7 @@
     </p:spTree>
     <p:extLst>
       <p:ext uri="{BB962C8B-B14F-4D97-AF65-F5344CB8AC3E}">
-        <p14:creationId xmlns:p14="http://schemas.microsoft.com/office/powerpoint/2010/main" val="1527063069"/>
+        <p14:creationId xmlns:p14="http://schemas.microsoft.com/office/powerpoint/2010/main" val="3120250458"/>
       </p:ext>
     </p:extLst>
   </p:cSld>
@@ -4490,6 +4509,105 @@
             <p:ph type="title"/>
           </p:nvPr>
         </p:nvSpPr>
+        <p:spPr/>
+        <p:txBody>
+          <a:bodyPr/>
+          <a:lstStyle/>
+          <a:p>
+            <a:r>
+              <a:rPr lang="it-CH" dirty="0"/>
+              <a:t>Sviluppi futuri.</a:t>
+            </a:r>
+          </a:p>
+        </p:txBody>
+      </p:sp>
+      <p:sp>
+        <p:nvSpPr>
+          <p:cNvPr id="5" name="Segnaposto contenuto 4">
+            <a:extLst>
+              <a:ext uri="{FF2B5EF4-FFF2-40B4-BE49-F238E27FC236}">
+                <a16:creationId xmlns:a16="http://schemas.microsoft.com/office/drawing/2014/main" id="{712EE296-8807-A44A-8801-91C777AFE6C8}"/>
+              </a:ext>
+            </a:extLst>
+          </p:cNvPr>
+          <p:cNvSpPr>
+            <a:spLocks noGrp="1"/>
+          </p:cNvSpPr>
+          <p:nvPr>
+            <p:ph idx="1"/>
+          </p:nvPr>
+        </p:nvSpPr>
+        <p:spPr>
+          <a:xfrm>
+            <a:off x="1583055" y="2410142"/>
+            <a:ext cx="9025890" cy="2037715"/>
+          </a:xfrm>
+        </p:spPr>
+        <p:txBody>
+          <a:bodyPr>
+            <a:normAutofit/>
+          </a:bodyPr>
+          <a:lstStyle/>
+          <a:p>
+            <a:r>
+              <a:rPr lang="it-CH" sz="4000" dirty="0"/>
+              <a:t>Aggiunta di esempi</a:t>
+            </a:r>
+          </a:p>
+          <a:p>
+            <a:r>
+              <a:rPr lang="it-CH" sz="4000" dirty="0"/>
+              <a:t>Aggiunta di attuatori</a:t>
+            </a:r>
+          </a:p>
+          <a:p>
+            <a:r>
+              <a:rPr lang="it-CH" sz="4000" dirty="0"/>
+              <a:t>Implementazione di funzionalità avanzate</a:t>
+            </a:r>
+          </a:p>
+        </p:txBody>
+      </p:sp>
+    </p:spTree>
+    <p:extLst>
+      <p:ext uri="{BB962C8B-B14F-4D97-AF65-F5344CB8AC3E}">
+        <p14:creationId xmlns:p14="http://schemas.microsoft.com/office/powerpoint/2010/main" val="1527063069"/>
+      </p:ext>
+    </p:extLst>
+  </p:cSld>
+  <p:clrMapOvr>
+    <a:masterClrMapping/>
+  </p:clrMapOvr>
+</p:sld>
+</file>
+
+<file path=ppt/slides/slide21.xml><?xml version="1.0" encoding="utf-8"?>
+<p:sld xmlns:a="http://schemas.openxmlformats.org/drawingml/2006/main" xmlns:r="http://schemas.openxmlformats.org/officeDocument/2006/relationships" xmlns:p="http://schemas.openxmlformats.org/presentationml/2006/main">
+  <p:cSld>
+    <p:spTree>
+      <p:nvGrpSpPr>
+        <p:cNvPr id="1" name=""/>
+        <p:cNvGrpSpPr/>
+        <p:nvPr/>
+      </p:nvGrpSpPr>
+      <p:grpSpPr>
+        <a:xfrm>
+          <a:off x="0" y="0"/>
+          <a:ext cx="0" cy="0"/>
+          <a:chOff x="0" y="0"/>
+          <a:chExt cx="0" cy="0"/>
+        </a:xfrm>
+      </p:grpSpPr>
+      <p:sp>
+        <p:nvSpPr>
+          <p:cNvPr id="2" name="Title 1"/>
+          <p:cNvSpPr>
+            <a:spLocks noGrp="1"/>
+          </p:cNvSpPr>
+          <p:nvPr>
+            <p:ph type="title"/>
+          </p:nvPr>
+        </p:nvSpPr>
         <p:spPr>
           <a:xfrm>
             <a:off x="4152207" y="2550294"/>
@@ -4825,31 +4943,35 @@
           </a:p>
         </p:txBody>
       </p:sp>
-      <p:sp>
-        <p:nvSpPr>
-          <p:cNvPr id="7" name="Segnaposto contenuto 6">
+      <p:pic>
+        <p:nvPicPr>
+          <p:cNvPr id="9" name="Segnaposto contenuto 8">
             <a:extLst>
               <a:ext uri="{FF2B5EF4-FFF2-40B4-BE49-F238E27FC236}">
-                <a16:creationId xmlns:a16="http://schemas.microsoft.com/office/drawing/2014/main" id="{8CE73510-D5AA-3849-91E7-5B621643D649}"/>
+                <a16:creationId xmlns:a16="http://schemas.microsoft.com/office/drawing/2014/main" id="{0017BEB7-6A6C-6648-922B-F792BE89EF74}"/>
               </a:ext>
             </a:extLst>
           </p:cNvPr>
-          <p:cNvSpPr>
-            <a:spLocks noGrp="1"/>
-          </p:cNvSpPr>
+          <p:cNvPicPr>
+            <a:picLocks noGrp="1" noChangeAspect="1"/>
+          </p:cNvPicPr>
           <p:nvPr>
             <p:ph idx="1"/>
           </p:nvPr>
-        </p:nvSpPr>
-        <p:spPr/>
-        <p:txBody>
-          <a:bodyPr/>
-          <a:lstStyle/>
-          <a:p>
-            <a:endParaRPr lang="it-CH"/>
-          </a:p>
-        </p:txBody>
-      </p:sp>
+        </p:nvPicPr>
+        <p:blipFill>
+          <a:blip r:embed="rId2"/>
+          <a:stretch>
+            <a:fillRect/>
+          </a:stretch>
+        </p:blipFill>
+        <p:spPr>
+          <a:xfrm>
+            <a:off x="2297083" y="1197620"/>
+            <a:ext cx="7597833" cy="5428258"/>
+          </a:xfrm>
+        </p:spPr>
+      </p:pic>
     </p:spTree>
     <p:extLst>
       <p:ext uri="{BB962C8B-B14F-4D97-AF65-F5344CB8AC3E}">
@@ -4880,42 +5002,49 @@
           <a:chExt cx="0" cy="0"/>
         </a:xfrm>
       </p:grpSpPr>
-      <p:sp>
-        <p:nvSpPr>
-          <p:cNvPr id="2" name="Title 1"/>
-          <p:cNvSpPr>
-            <a:spLocks noGrp="1"/>
-          </p:cNvSpPr>
-          <p:nvPr>
-            <p:ph type="title"/>
-          </p:nvPr>
-        </p:nvSpPr>
-        <p:spPr/>
-        <p:txBody>
-          <a:bodyPr/>
-          <a:lstStyle/>
-          <a:p>
-            <a:r>
-              <a:rPr lang="it-CH" dirty="0"/>
-              <a:t>GANTT Consuntivo.</a:t>
-            </a:r>
-          </a:p>
-        </p:txBody>
-      </p:sp>
-      <p:sp>
-        <p:nvSpPr>
-          <p:cNvPr id="7" name="Segnaposto contenuto 6">
+      <p:pic>
+        <p:nvPicPr>
+          <p:cNvPr id="9" name="Segnaposto contenuto 8">
             <a:extLst>
               <a:ext uri="{FF2B5EF4-FFF2-40B4-BE49-F238E27FC236}">
-                <a16:creationId xmlns:a16="http://schemas.microsoft.com/office/drawing/2014/main" id="{AEDD814D-9942-D24D-8E15-4A69D29988BE}"/>
+                <a16:creationId xmlns:a16="http://schemas.microsoft.com/office/drawing/2014/main" id="{0017BEB7-6A6C-6648-922B-F792BE89EF74}"/>
               </a:ext>
             </a:extLst>
           </p:cNvPr>
-          <p:cNvSpPr>
-            <a:spLocks noGrp="1"/>
-          </p:cNvSpPr>
+          <p:cNvPicPr>
+            <a:picLocks noGrp="1" noChangeAspect="1"/>
+          </p:cNvPicPr>
           <p:nvPr>
             <p:ph idx="1"/>
+          </p:nvPr>
+        </p:nvPicPr>
+        <p:blipFill>
+          <a:blip r:embed="rId2"/>
+          <a:stretch>
+            <a:fillRect/>
+          </a:stretch>
+        </p:blipFill>
+        <p:spPr>
+          <a:xfrm>
+            <a:off x="1" y="0"/>
+            <a:ext cx="12192000" cy="8839231"/>
+          </a:xfrm>
+        </p:spPr>
+      </p:pic>
+      <p:sp>
+        <p:nvSpPr>
+          <p:cNvPr id="4" name="Titolo 3">
+            <a:extLst>
+              <a:ext uri="{FF2B5EF4-FFF2-40B4-BE49-F238E27FC236}">
+                <a16:creationId xmlns:a16="http://schemas.microsoft.com/office/drawing/2014/main" id="{0CC5BCBC-7BEA-E84F-AE06-8B26A7D99C20}"/>
+              </a:ext>
+            </a:extLst>
+          </p:cNvPr>
+          <p:cNvSpPr>
+            <a:spLocks noGrp="1"/>
+          </p:cNvSpPr>
+          <p:nvPr>
+            <p:ph type="title"/>
           </p:nvPr>
         </p:nvSpPr>
         <p:spPr/>
@@ -4930,7 +5059,7 @@
     </p:spTree>
     <p:extLst>
       <p:ext uri="{BB962C8B-B14F-4D97-AF65-F5344CB8AC3E}">
-        <p14:creationId xmlns:p14="http://schemas.microsoft.com/office/powerpoint/2010/main" val="1960521334"/>
+        <p14:creationId xmlns:p14="http://schemas.microsoft.com/office/powerpoint/2010/main" val="4146218833"/>
       </p:ext>
     </p:extLst>
   </p:cSld>
@@ -4957,79 +5086,64 @@
           <a:chExt cx="0" cy="0"/>
         </a:xfrm>
       </p:grpSpPr>
-      <p:sp>
-        <p:nvSpPr>
-          <p:cNvPr id="2" name="Title 1"/>
-          <p:cNvSpPr>
-            <a:spLocks noGrp="1"/>
-          </p:cNvSpPr>
-          <p:nvPr>
-            <p:ph type="title"/>
-          </p:nvPr>
-        </p:nvSpPr>
-        <p:spPr/>
-        <p:txBody>
-          <a:bodyPr/>
-          <a:lstStyle/>
-          <a:p>
-            <a:r>
-              <a:rPr lang="it-CH" dirty="0"/>
-              <a:t>Librerie.	</a:t>
-            </a:r>
-          </a:p>
-        </p:txBody>
-      </p:sp>
-      <p:sp>
-        <p:nvSpPr>
-          <p:cNvPr id="3" name="Content Placeholder 2"/>
-          <p:cNvSpPr>
-            <a:spLocks noGrp="1"/>
-          </p:cNvSpPr>
+      <p:pic>
+        <p:nvPicPr>
+          <p:cNvPr id="9" name="Segnaposto contenuto 8">
+            <a:extLst>
+              <a:ext uri="{FF2B5EF4-FFF2-40B4-BE49-F238E27FC236}">
+                <a16:creationId xmlns:a16="http://schemas.microsoft.com/office/drawing/2014/main" id="{0017BEB7-6A6C-6648-922B-F792BE89EF74}"/>
+              </a:ext>
+            </a:extLst>
+          </p:cNvPr>
+          <p:cNvPicPr>
+            <a:picLocks noGrp="1" noChangeAspect="1"/>
+          </p:cNvPicPr>
           <p:nvPr>
             <p:ph idx="1"/>
           </p:nvPr>
-        </p:nvSpPr>
+        </p:nvPicPr>
+        <p:blipFill>
+          <a:blip r:embed="rId2"/>
+          <a:stretch>
+            <a:fillRect/>
+          </a:stretch>
+        </p:blipFill>
         <p:spPr>
           <a:xfrm>
-            <a:off x="4840759" y="2083322"/>
-            <a:ext cx="2510481" cy="2691355"/>
+            <a:off x="0" y="-1981231"/>
+            <a:ext cx="12192000" cy="8839231"/>
           </a:xfrm>
         </p:spPr>
-        <p:txBody>
-          <a:bodyPr>
-            <a:noAutofit/>
-          </a:bodyPr>
-          <a:lstStyle/>
-          <a:p>
-            <a:r>
-              <a:rPr lang="it-CH" sz="4000" dirty="0"/>
-              <a:t>Led</a:t>
-            </a:r>
-          </a:p>
-          <a:p>
-            <a:r>
-              <a:rPr lang="it-CH" sz="4000" dirty="0"/>
-              <a:t>Button</a:t>
-            </a:r>
-          </a:p>
-          <a:p>
-            <a:r>
-              <a:rPr lang="it-CH" sz="4000" dirty="0"/>
-              <a:t>Photocell</a:t>
-            </a:r>
-          </a:p>
-          <a:p>
-            <a:r>
-              <a:rPr lang="it-CH" sz="4000" dirty="0"/>
-              <a:t>LCD</a:t>
-            </a:r>
+      </p:pic>
+      <p:sp>
+        <p:nvSpPr>
+          <p:cNvPr id="4" name="Titolo 3">
+            <a:extLst>
+              <a:ext uri="{FF2B5EF4-FFF2-40B4-BE49-F238E27FC236}">
+                <a16:creationId xmlns:a16="http://schemas.microsoft.com/office/drawing/2014/main" id="{0CC5BCBC-7BEA-E84F-AE06-8B26A7D99C20}"/>
+              </a:ext>
+            </a:extLst>
+          </p:cNvPr>
+          <p:cNvSpPr>
+            <a:spLocks noGrp="1"/>
+          </p:cNvSpPr>
+          <p:nvPr>
+            <p:ph type="title"/>
+          </p:nvPr>
+        </p:nvSpPr>
+        <p:spPr/>
+        <p:txBody>
+          <a:bodyPr/>
+          <a:lstStyle/>
+          <a:p>
+            <a:endParaRPr lang="it-CH"/>
           </a:p>
         </p:txBody>
       </p:sp>
     </p:spTree>
     <p:extLst>
       <p:ext uri="{BB962C8B-B14F-4D97-AF65-F5344CB8AC3E}">
-        <p14:creationId xmlns:p14="http://schemas.microsoft.com/office/powerpoint/2010/main" val="744439158"/>
+        <p14:creationId xmlns:p14="http://schemas.microsoft.com/office/powerpoint/2010/main" val="4113657294"/>
       </p:ext>
     </p:extLst>
   </p:cSld>
@@ -5073,72 +5187,54 @@
           <a:p>
             <a:r>
               <a:rPr lang="it-CH" dirty="0"/>
-              <a:t>Struttura librerie.	</a:t>
-            </a:r>
-          </a:p>
-        </p:txBody>
-      </p:sp>
-      <p:pic>
-        <p:nvPicPr>
-          <p:cNvPr id="4" name="Immagine 3">
-            <a:extLst>
-              <a:ext uri="{FF2B5EF4-FFF2-40B4-BE49-F238E27FC236}">
-                <a16:creationId xmlns:a16="http://schemas.microsoft.com/office/drawing/2014/main" id="{737194BE-AC30-0145-A81E-BC261C272754}"/>
-              </a:ext>
-            </a:extLst>
-          </p:cNvPr>
-          <p:cNvPicPr>
-            <a:picLocks noChangeAspect="1"/>
-          </p:cNvPicPr>
-          <p:nvPr/>
-        </p:nvPicPr>
-        <p:blipFill>
-          <a:blip r:embed="rId2"/>
-          <a:stretch>
-            <a:fillRect/>
-          </a:stretch>
-        </p:blipFill>
+              <a:t>Librerie.	</a:t>
+            </a:r>
+          </a:p>
+        </p:txBody>
+      </p:sp>
+      <p:sp>
+        <p:nvSpPr>
+          <p:cNvPr id="3" name="Content Placeholder 2"/>
+          <p:cNvSpPr>
+            <a:spLocks noGrp="1"/>
+          </p:cNvSpPr>
+          <p:nvPr>
+            <p:ph idx="1"/>
+          </p:nvPr>
+        </p:nvSpPr>
         <p:spPr>
           <a:xfrm>
-            <a:off x="2504195" y="2007838"/>
-            <a:ext cx="7183610" cy="2974808"/>
+            <a:off x="4840759" y="2083322"/>
+            <a:ext cx="2510481" cy="2691355"/>
           </a:xfrm>
-          <a:prstGeom prst="rect">
-            <a:avLst/>
-          </a:prstGeom>
         </p:spPr>
-      </p:pic>
-      <p:sp>
-        <p:nvSpPr>
-          <p:cNvPr id="5" name="CasellaDiTesto 4">
-            <a:extLst>
-              <a:ext uri="{FF2B5EF4-FFF2-40B4-BE49-F238E27FC236}">
-                <a16:creationId xmlns:a16="http://schemas.microsoft.com/office/drawing/2014/main" id="{D169D032-CA30-2C46-8B08-8F1ED543AC09}"/>
-              </a:ext>
-            </a:extLst>
-          </p:cNvPr>
-          <p:cNvSpPr txBox="1"/>
-          <p:nvPr/>
-        </p:nvSpPr>
-        <p:spPr>
-          <a:xfrm>
-            <a:off x="5223710" y="4982646"/>
-            <a:ext cx="1744579" cy="369332"/>
-          </a:xfrm>
-          <a:prstGeom prst="rect">
-            <a:avLst/>
-          </a:prstGeom>
-          <a:noFill/>
-        </p:spPr>
-        <p:txBody>
-          <a:bodyPr wrap="square" rtlCol="0">
-            <a:spAutoFit/>
+        <p:txBody>
+          <a:bodyPr>
+            <a:noAutofit/>
           </a:bodyPr>
           <a:lstStyle/>
           <a:p>
             <a:r>
-              <a:rPr lang="it-CH" dirty="0"/>
-              <a:t>Classe ButtonLib</a:t>
+              <a:rPr lang="it-CH" sz="4000" dirty="0"/>
+              <a:t>Led</a:t>
+            </a:r>
+          </a:p>
+          <a:p>
+            <a:r>
+              <a:rPr lang="it-CH" sz="4000" dirty="0"/>
+              <a:t>Button</a:t>
+            </a:r>
+          </a:p>
+          <a:p>
+            <a:r>
+              <a:rPr lang="it-CH" sz="4000" dirty="0"/>
+              <a:t>Photocell</a:t>
+            </a:r>
+          </a:p>
+          <a:p>
+            <a:r>
+              <a:rPr lang="it-CH" sz="4000" dirty="0"/>
+              <a:t>LCD</a:t>
             </a:r>
           </a:p>
         </p:txBody>
@@ -5146,7 +5242,7 @@
     </p:spTree>
     <p:extLst>
       <p:ext uri="{BB962C8B-B14F-4D97-AF65-F5344CB8AC3E}">
-        <p14:creationId xmlns:p14="http://schemas.microsoft.com/office/powerpoint/2010/main" val="4076660027"/>
+        <p14:creationId xmlns:p14="http://schemas.microsoft.com/office/powerpoint/2010/main" val="744439158"/>
       </p:ext>
     </p:extLst>
   </p:cSld>
